--- a/14_big_data/05-Duragan-Veri-Analizi/04_spark_pair_rdd/01_pair_rdd_transformations_and_actions.pptx
+++ b/14_big_data/05-Duragan-Veri-Analizi/04_spark_pair_rdd/01_pair_rdd_transformations_and_actions.pptx
@@ -153,6 +153,405 @@
 
 <file path=ppt/changesInfos/changesInfo1.xml><?xml version="1.0" encoding="utf-8"?>
 <pc:chgInfo xmlns:a="http://schemas.openxmlformats.org/drawingml/2006/main" xmlns:r="http://schemas.openxmlformats.org/officeDocument/2006/relationships" xmlns:ac="http://schemas.microsoft.com/office/drawing/2013/main/command" xmlns:pc="http://schemas.microsoft.com/office/powerpoint/2013/main/command">
+  <pc:docChgLst>
+    <pc:chgData name="Erkan ŞİRİN" userId="7f10ce1d6aaf8c5d" providerId="LiveId" clId="{07DE2D32-9988-4E4F-B4DC-7E419961CC4C}"/>
+    <pc:docChg chg="custSel modSld">
+      <pc:chgData name="Erkan ŞİRİN" userId="7f10ce1d6aaf8c5d" providerId="LiveId" clId="{07DE2D32-9988-4E4F-B4DC-7E419961CC4C}" dt="2019-07-23T20:50:21.411" v="25" actId="478"/>
+      <pc:docMkLst>
+        <pc:docMk/>
+      </pc:docMkLst>
+      <pc:sldChg chg="delSp">
+        <pc:chgData name="Erkan ŞİRİN" userId="7f10ce1d6aaf8c5d" providerId="LiveId" clId="{07DE2D32-9988-4E4F-B4DC-7E419961CC4C}" dt="2019-07-23T20:49:34.690" v="0" actId="478"/>
+        <pc:sldMkLst>
+          <pc:docMk/>
+          <pc:sldMk cId="171602295" sldId="282"/>
+        </pc:sldMkLst>
+        <pc:picChg chg="del">
+          <ac:chgData name="Erkan ŞİRİN" userId="7f10ce1d6aaf8c5d" providerId="LiveId" clId="{07DE2D32-9988-4E4F-B4DC-7E419961CC4C}" dt="2019-07-23T20:49:34.690" v="0" actId="478"/>
+          <ac:picMkLst>
+            <pc:docMk/>
+            <pc:sldMk cId="171602295" sldId="282"/>
+            <ac:picMk id="13" creationId="{2313B9DD-3810-4ECA-968D-C9BCB1A4DC19}"/>
+          </ac:picMkLst>
+        </pc:picChg>
+      </pc:sldChg>
+      <pc:sldChg chg="delSp">
+        <pc:chgData name="Erkan ŞİRİN" userId="7f10ce1d6aaf8c5d" providerId="LiveId" clId="{07DE2D32-9988-4E4F-B4DC-7E419961CC4C}" dt="2019-07-23T20:49:37.663" v="1" actId="478"/>
+        <pc:sldMkLst>
+          <pc:docMk/>
+          <pc:sldMk cId="3550710031" sldId="286"/>
+        </pc:sldMkLst>
+        <pc:picChg chg="del">
+          <ac:chgData name="Erkan ŞİRİN" userId="7f10ce1d6aaf8c5d" providerId="LiveId" clId="{07DE2D32-9988-4E4F-B4DC-7E419961CC4C}" dt="2019-07-23T20:49:37.663" v="1" actId="478"/>
+          <ac:picMkLst>
+            <pc:docMk/>
+            <pc:sldMk cId="3550710031" sldId="286"/>
+            <ac:picMk id="13" creationId="{8A641F81-F3A5-46F9-AEAF-76F28887CACF}"/>
+          </ac:picMkLst>
+        </pc:picChg>
+      </pc:sldChg>
+      <pc:sldChg chg="delSp">
+        <pc:chgData name="Erkan ŞİRİN" userId="7f10ce1d6aaf8c5d" providerId="LiveId" clId="{07DE2D32-9988-4E4F-B4DC-7E419961CC4C}" dt="2019-07-23T20:49:58.038" v="12" actId="478"/>
+        <pc:sldMkLst>
+          <pc:docMk/>
+          <pc:sldMk cId="376716177" sldId="297"/>
+        </pc:sldMkLst>
+        <pc:picChg chg="del">
+          <ac:chgData name="Erkan ŞİRİN" userId="7f10ce1d6aaf8c5d" providerId="LiveId" clId="{07DE2D32-9988-4E4F-B4DC-7E419961CC4C}" dt="2019-07-23T20:49:58.038" v="12" actId="478"/>
+          <ac:picMkLst>
+            <pc:docMk/>
+            <pc:sldMk cId="376716177" sldId="297"/>
+            <ac:picMk id="21" creationId="{826D8145-BBDE-473B-A390-5CB5CD198615}"/>
+          </ac:picMkLst>
+        </pc:picChg>
+      </pc:sldChg>
+      <pc:sldChg chg="delSp">
+        <pc:chgData name="Erkan ŞİRİN" userId="7f10ce1d6aaf8c5d" providerId="LiveId" clId="{07DE2D32-9988-4E4F-B4DC-7E419961CC4C}" dt="2019-07-23T20:49:51.990" v="7" actId="478"/>
+        <pc:sldMkLst>
+          <pc:docMk/>
+          <pc:sldMk cId="908822989" sldId="298"/>
+        </pc:sldMkLst>
+        <pc:picChg chg="del">
+          <ac:chgData name="Erkan ŞİRİN" userId="7f10ce1d6aaf8c5d" providerId="LiveId" clId="{07DE2D32-9988-4E4F-B4DC-7E419961CC4C}" dt="2019-07-23T20:49:51.990" v="7" actId="478"/>
+          <ac:picMkLst>
+            <pc:docMk/>
+            <pc:sldMk cId="908822989" sldId="298"/>
+            <ac:picMk id="20" creationId="{E693449C-7340-4D19-AF27-890E2491DAC4}"/>
+          </ac:picMkLst>
+        </pc:picChg>
+      </pc:sldChg>
+      <pc:sldChg chg="delSp">
+        <pc:chgData name="Erkan ŞİRİN" userId="7f10ce1d6aaf8c5d" providerId="LiveId" clId="{07DE2D32-9988-4E4F-B4DC-7E419961CC4C}" dt="2019-07-23T20:49:55.595" v="10" actId="478"/>
+        <pc:sldMkLst>
+          <pc:docMk/>
+          <pc:sldMk cId="1393181630" sldId="299"/>
+        </pc:sldMkLst>
+        <pc:picChg chg="del">
+          <ac:chgData name="Erkan ŞİRİN" userId="7f10ce1d6aaf8c5d" providerId="LiveId" clId="{07DE2D32-9988-4E4F-B4DC-7E419961CC4C}" dt="2019-07-23T20:49:55.595" v="10" actId="478"/>
+          <ac:picMkLst>
+            <pc:docMk/>
+            <pc:sldMk cId="1393181630" sldId="299"/>
+            <ac:picMk id="20" creationId="{77574273-45DE-45EA-8BCE-48B6FE258DB6}"/>
+          </ac:picMkLst>
+        </pc:picChg>
+      </pc:sldChg>
+      <pc:sldChg chg="delSp">
+        <pc:chgData name="Erkan ŞİRİN" userId="7f10ce1d6aaf8c5d" providerId="LiveId" clId="{07DE2D32-9988-4E4F-B4DC-7E419961CC4C}" dt="2019-07-23T20:49:56.805" v="11" actId="478"/>
+        <pc:sldMkLst>
+          <pc:docMk/>
+          <pc:sldMk cId="3882633929" sldId="300"/>
+        </pc:sldMkLst>
+        <pc:picChg chg="del">
+          <ac:chgData name="Erkan ŞİRİN" userId="7f10ce1d6aaf8c5d" providerId="LiveId" clId="{07DE2D32-9988-4E4F-B4DC-7E419961CC4C}" dt="2019-07-23T20:49:56.805" v="11" actId="478"/>
+          <ac:picMkLst>
+            <pc:docMk/>
+            <pc:sldMk cId="3882633929" sldId="300"/>
+            <ac:picMk id="20" creationId="{ABDB5B26-1A3C-4B3D-BF6D-489CE0FC4CCC}"/>
+          </ac:picMkLst>
+        </pc:picChg>
+      </pc:sldChg>
+      <pc:sldChg chg="delSp">
+        <pc:chgData name="Erkan ŞİRİN" userId="7f10ce1d6aaf8c5d" providerId="LiveId" clId="{07DE2D32-9988-4E4F-B4DC-7E419961CC4C}" dt="2019-07-23T20:49:59.248" v="13" actId="478"/>
+        <pc:sldMkLst>
+          <pc:docMk/>
+          <pc:sldMk cId="2402911150" sldId="301"/>
+        </pc:sldMkLst>
+        <pc:picChg chg="del">
+          <ac:chgData name="Erkan ŞİRİN" userId="7f10ce1d6aaf8c5d" providerId="LiveId" clId="{07DE2D32-9988-4E4F-B4DC-7E419961CC4C}" dt="2019-07-23T20:49:59.248" v="13" actId="478"/>
+          <ac:picMkLst>
+            <pc:docMk/>
+            <pc:sldMk cId="2402911150" sldId="301"/>
+            <ac:picMk id="21" creationId="{B1BC7DB5-552B-467E-9B3F-6F3EF58D08E6}"/>
+          </ac:picMkLst>
+        </pc:picChg>
+      </pc:sldChg>
+      <pc:sldChg chg="delSp">
+        <pc:chgData name="Erkan ŞİRİN" userId="7f10ce1d6aaf8c5d" providerId="LiveId" clId="{07DE2D32-9988-4E4F-B4DC-7E419961CC4C}" dt="2019-07-23T20:50:06.733" v="19" actId="478"/>
+        <pc:sldMkLst>
+          <pc:docMk/>
+          <pc:sldMk cId="133444120" sldId="302"/>
+        </pc:sldMkLst>
+        <pc:picChg chg="del">
+          <ac:chgData name="Erkan ŞİRİN" userId="7f10ce1d6aaf8c5d" providerId="LiveId" clId="{07DE2D32-9988-4E4F-B4DC-7E419961CC4C}" dt="2019-07-23T20:50:06.733" v="19" actId="478"/>
+          <ac:picMkLst>
+            <pc:docMk/>
+            <pc:sldMk cId="133444120" sldId="302"/>
+            <ac:picMk id="11" creationId="{EAC5A706-ED0E-4C49-ADF2-C8D6C52560AA}"/>
+          </ac:picMkLst>
+        </pc:picChg>
+      </pc:sldChg>
+      <pc:sldChg chg="delSp">
+        <pc:chgData name="Erkan ŞİRİN" userId="7f10ce1d6aaf8c5d" providerId="LiveId" clId="{07DE2D32-9988-4E4F-B4DC-7E419961CC4C}" dt="2019-07-23T20:50:12.727" v="22" actId="478"/>
+        <pc:sldMkLst>
+          <pc:docMk/>
+          <pc:sldMk cId="1486284405" sldId="303"/>
+        </pc:sldMkLst>
+        <pc:picChg chg="del">
+          <ac:chgData name="Erkan ŞİRİN" userId="7f10ce1d6aaf8c5d" providerId="LiveId" clId="{07DE2D32-9988-4E4F-B4DC-7E419961CC4C}" dt="2019-07-23T20:50:12.727" v="22" actId="478"/>
+          <ac:picMkLst>
+            <pc:docMk/>
+            <pc:sldMk cId="1486284405" sldId="303"/>
+            <ac:picMk id="22" creationId="{C3959BC3-786A-4038-9467-9DA8C6811317}"/>
+          </ac:picMkLst>
+        </pc:picChg>
+      </pc:sldChg>
+      <pc:sldChg chg="delSp">
+        <pc:chgData name="Erkan ŞİRİN" userId="7f10ce1d6aaf8c5d" providerId="LiveId" clId="{07DE2D32-9988-4E4F-B4DC-7E419961CC4C}" dt="2019-07-23T20:50:09.185" v="21" actId="478"/>
+        <pc:sldMkLst>
+          <pc:docMk/>
+          <pc:sldMk cId="825510705" sldId="304"/>
+        </pc:sldMkLst>
+        <pc:picChg chg="del">
+          <ac:chgData name="Erkan ŞİRİN" userId="7f10ce1d6aaf8c5d" providerId="LiveId" clId="{07DE2D32-9988-4E4F-B4DC-7E419961CC4C}" dt="2019-07-23T20:50:09.185" v="21" actId="478"/>
+          <ac:picMkLst>
+            <pc:docMk/>
+            <pc:sldMk cId="825510705" sldId="304"/>
+            <ac:picMk id="22" creationId="{3145475F-B442-4145-A0C9-47525920D534}"/>
+          </ac:picMkLst>
+        </pc:picChg>
+      </pc:sldChg>
+      <pc:sldChg chg="delSp">
+        <pc:chgData name="Erkan ŞİRİN" userId="7f10ce1d6aaf8c5d" providerId="LiveId" clId="{07DE2D32-9988-4E4F-B4DC-7E419961CC4C}" dt="2019-07-23T20:50:17.951" v="23" actId="478"/>
+        <pc:sldMkLst>
+          <pc:docMk/>
+          <pc:sldMk cId="4170266436" sldId="305"/>
+        </pc:sldMkLst>
+        <pc:picChg chg="del">
+          <ac:chgData name="Erkan ŞİRİN" userId="7f10ce1d6aaf8c5d" providerId="LiveId" clId="{07DE2D32-9988-4E4F-B4DC-7E419961CC4C}" dt="2019-07-23T20:50:17.951" v="23" actId="478"/>
+          <ac:picMkLst>
+            <pc:docMk/>
+            <pc:sldMk cId="4170266436" sldId="305"/>
+            <ac:picMk id="22" creationId="{8E8B1C5F-6F27-43A4-A711-63D7157F7D9B}"/>
+          </ac:picMkLst>
+        </pc:picChg>
+      </pc:sldChg>
+      <pc:sldChg chg="delSp">
+        <pc:chgData name="Erkan ŞİRİN" userId="7f10ce1d6aaf8c5d" providerId="LiveId" clId="{07DE2D32-9988-4E4F-B4DC-7E419961CC4C}" dt="2019-07-23T20:50:20.004" v="24" actId="478"/>
+        <pc:sldMkLst>
+          <pc:docMk/>
+          <pc:sldMk cId="38292143" sldId="306"/>
+        </pc:sldMkLst>
+        <pc:picChg chg="del">
+          <ac:chgData name="Erkan ŞİRİN" userId="7f10ce1d6aaf8c5d" providerId="LiveId" clId="{07DE2D32-9988-4E4F-B4DC-7E419961CC4C}" dt="2019-07-23T20:50:20.004" v="24" actId="478"/>
+          <ac:picMkLst>
+            <pc:docMk/>
+            <pc:sldMk cId="38292143" sldId="306"/>
+            <ac:picMk id="22" creationId="{AD3B465A-96D4-4C76-86A0-8BAD7BC73E29}"/>
+          </ac:picMkLst>
+        </pc:picChg>
+      </pc:sldChg>
+      <pc:sldChg chg="delSp">
+        <pc:chgData name="Erkan ŞİRİN" userId="7f10ce1d6aaf8c5d" providerId="LiveId" clId="{07DE2D32-9988-4E4F-B4DC-7E419961CC4C}" dt="2019-07-23T20:50:21.411" v="25" actId="478"/>
+        <pc:sldMkLst>
+          <pc:docMk/>
+          <pc:sldMk cId="1198337163" sldId="307"/>
+        </pc:sldMkLst>
+        <pc:picChg chg="del">
+          <ac:chgData name="Erkan ŞİRİN" userId="7f10ce1d6aaf8c5d" providerId="LiveId" clId="{07DE2D32-9988-4E4F-B4DC-7E419961CC4C}" dt="2019-07-23T20:50:21.411" v="25" actId="478"/>
+          <ac:picMkLst>
+            <pc:docMk/>
+            <pc:sldMk cId="1198337163" sldId="307"/>
+            <ac:picMk id="22" creationId="{E2797DFC-1BD3-41E7-90ED-949AD6C1071B}"/>
+          </ac:picMkLst>
+        </pc:picChg>
+      </pc:sldChg>
+      <pc:sldChg chg="delSp">
+        <pc:chgData name="Erkan ŞİRİN" userId="7f10ce1d6aaf8c5d" providerId="LiveId" clId="{07DE2D32-9988-4E4F-B4DC-7E419961CC4C}" dt="2019-07-23T20:49:47.539" v="4" actId="478"/>
+        <pc:sldMkLst>
+          <pc:docMk/>
+          <pc:sldMk cId="2159657849" sldId="308"/>
+        </pc:sldMkLst>
+        <pc:picChg chg="del">
+          <ac:chgData name="Erkan ŞİRİN" userId="7f10ce1d6aaf8c5d" providerId="LiveId" clId="{07DE2D32-9988-4E4F-B4DC-7E419961CC4C}" dt="2019-07-23T20:49:47.539" v="4" actId="478"/>
+          <ac:picMkLst>
+            <pc:docMk/>
+            <pc:sldMk cId="2159657849" sldId="308"/>
+            <ac:picMk id="11" creationId="{2DF527CD-82B1-4E1B-82CA-46BDE590CB00}"/>
+          </ac:picMkLst>
+        </pc:picChg>
+      </pc:sldChg>
+      <pc:sldChg chg="delSp">
+        <pc:chgData name="Erkan ŞİRİN" userId="7f10ce1d6aaf8c5d" providerId="LiveId" clId="{07DE2D32-9988-4E4F-B4DC-7E419961CC4C}" dt="2019-07-23T20:49:50.772" v="6" actId="478"/>
+        <pc:sldMkLst>
+          <pc:docMk/>
+          <pc:sldMk cId="2093686389" sldId="310"/>
+        </pc:sldMkLst>
+        <pc:picChg chg="del">
+          <ac:chgData name="Erkan ŞİRİN" userId="7f10ce1d6aaf8c5d" providerId="LiveId" clId="{07DE2D32-9988-4E4F-B4DC-7E419961CC4C}" dt="2019-07-23T20:49:50.772" v="6" actId="478"/>
+          <ac:picMkLst>
+            <pc:docMk/>
+            <pc:sldMk cId="2093686389" sldId="310"/>
+            <ac:picMk id="20" creationId="{06C2AE09-99B7-4350-96D2-9C07E89F6332}"/>
+          </ac:picMkLst>
+        </pc:picChg>
+      </pc:sldChg>
+      <pc:sldChg chg="delSp">
+        <pc:chgData name="Erkan ŞİRİN" userId="7f10ce1d6aaf8c5d" providerId="LiveId" clId="{07DE2D32-9988-4E4F-B4DC-7E419961CC4C}" dt="2019-07-23T20:49:40.999" v="2" actId="478"/>
+        <pc:sldMkLst>
+          <pc:docMk/>
+          <pc:sldMk cId="4030104420" sldId="311"/>
+        </pc:sldMkLst>
+        <pc:picChg chg="del">
+          <ac:chgData name="Erkan ŞİRİN" userId="7f10ce1d6aaf8c5d" providerId="LiveId" clId="{07DE2D32-9988-4E4F-B4DC-7E419961CC4C}" dt="2019-07-23T20:49:40.999" v="2" actId="478"/>
+          <ac:picMkLst>
+            <pc:docMk/>
+            <pc:sldMk cId="4030104420" sldId="311"/>
+            <ac:picMk id="13" creationId="{A10B8818-807D-473D-AB55-D0C5EDCE3F06}"/>
+          </ac:picMkLst>
+        </pc:picChg>
+      </pc:sldChg>
+      <pc:sldChg chg="delSp">
+        <pc:chgData name="Erkan ŞİRİN" userId="7f10ce1d6aaf8c5d" providerId="LiveId" clId="{07DE2D32-9988-4E4F-B4DC-7E419961CC4C}" dt="2019-07-23T20:49:49.537" v="5" actId="478"/>
+        <pc:sldMkLst>
+          <pc:docMk/>
+          <pc:sldMk cId="2492940768" sldId="314"/>
+        </pc:sldMkLst>
+        <pc:picChg chg="del">
+          <ac:chgData name="Erkan ŞİRİN" userId="7f10ce1d6aaf8c5d" providerId="LiveId" clId="{07DE2D32-9988-4E4F-B4DC-7E419961CC4C}" dt="2019-07-23T20:49:49.537" v="5" actId="478"/>
+          <ac:picMkLst>
+            <pc:docMk/>
+            <pc:sldMk cId="2492940768" sldId="314"/>
+            <ac:picMk id="13" creationId="{AB188617-8AF6-480E-B34A-CEA626B61958}"/>
+          </ac:picMkLst>
+        </pc:picChg>
+      </pc:sldChg>
+      <pc:sldChg chg="delSp">
+        <pc:chgData name="Erkan ŞİRİN" userId="7f10ce1d6aaf8c5d" providerId="LiveId" clId="{07DE2D32-9988-4E4F-B4DC-7E419961CC4C}" dt="2019-07-23T20:50:07.943" v="20" actId="478"/>
+        <pc:sldMkLst>
+          <pc:docMk/>
+          <pc:sldMk cId="1606381386" sldId="315"/>
+        </pc:sldMkLst>
+        <pc:picChg chg="del">
+          <ac:chgData name="Erkan ŞİRİN" userId="7f10ce1d6aaf8c5d" providerId="LiveId" clId="{07DE2D32-9988-4E4F-B4DC-7E419961CC4C}" dt="2019-07-23T20:50:07.943" v="20" actId="478"/>
+          <ac:picMkLst>
+            <pc:docMk/>
+            <pc:sldMk cId="1606381386" sldId="315"/>
+            <ac:picMk id="13" creationId="{E303F36D-5476-4BC7-BC8C-A68B1FE0869D}"/>
+          </ac:picMkLst>
+        </pc:picChg>
+      </pc:sldChg>
+      <pc:sldChg chg="delSp">
+        <pc:chgData name="Erkan ŞİRİN" userId="7f10ce1d6aaf8c5d" providerId="LiveId" clId="{07DE2D32-9988-4E4F-B4DC-7E419961CC4C}" dt="2019-07-23T20:50:00.423" v="14" actId="478"/>
+        <pc:sldMkLst>
+          <pc:docMk/>
+          <pc:sldMk cId="101392807" sldId="317"/>
+        </pc:sldMkLst>
+        <pc:picChg chg="del">
+          <ac:chgData name="Erkan ŞİRİN" userId="7f10ce1d6aaf8c5d" providerId="LiveId" clId="{07DE2D32-9988-4E4F-B4DC-7E419961CC4C}" dt="2019-07-23T20:50:00.423" v="14" actId="478"/>
+          <ac:picMkLst>
+            <pc:docMk/>
+            <pc:sldMk cId="101392807" sldId="317"/>
+            <ac:picMk id="13" creationId="{E8B4654E-4BFB-4C8D-BF55-ACC63C74E5D5}"/>
+          </ac:picMkLst>
+        </pc:picChg>
+      </pc:sldChg>
+      <pc:sldChg chg="delSp">
+        <pc:chgData name="Erkan ŞİRİN" userId="7f10ce1d6aaf8c5d" providerId="LiveId" clId="{07DE2D32-9988-4E4F-B4DC-7E419961CC4C}" dt="2019-07-23T20:50:02.976" v="16" actId="478"/>
+        <pc:sldMkLst>
+          <pc:docMk/>
+          <pc:sldMk cId="2893634020" sldId="318"/>
+        </pc:sldMkLst>
+        <pc:picChg chg="del">
+          <ac:chgData name="Erkan ŞİRİN" userId="7f10ce1d6aaf8c5d" providerId="LiveId" clId="{07DE2D32-9988-4E4F-B4DC-7E419961CC4C}" dt="2019-07-23T20:50:02.976" v="16" actId="478"/>
+          <ac:picMkLst>
+            <pc:docMk/>
+            <pc:sldMk cId="2893634020" sldId="318"/>
+            <ac:picMk id="22" creationId="{8743FD05-9A9E-4962-8E5B-DAE27703BBE1}"/>
+          </ac:picMkLst>
+        </pc:picChg>
+      </pc:sldChg>
+      <pc:sldChg chg="delSp">
+        <pc:chgData name="Erkan ŞİRİN" userId="7f10ce1d6aaf8c5d" providerId="LiveId" clId="{07DE2D32-9988-4E4F-B4DC-7E419961CC4C}" dt="2019-07-23T20:50:04.155" v="17" actId="478"/>
+        <pc:sldMkLst>
+          <pc:docMk/>
+          <pc:sldMk cId="2439966049" sldId="319"/>
+        </pc:sldMkLst>
+        <pc:picChg chg="del">
+          <ac:chgData name="Erkan ŞİRİN" userId="7f10ce1d6aaf8c5d" providerId="LiveId" clId="{07DE2D32-9988-4E4F-B4DC-7E419961CC4C}" dt="2019-07-23T20:50:04.155" v="17" actId="478"/>
+          <ac:picMkLst>
+            <pc:docMk/>
+            <pc:sldMk cId="2439966049" sldId="319"/>
+            <ac:picMk id="13" creationId="{4EB5C454-411C-4110-8237-37C9187A91FA}"/>
+          </ac:picMkLst>
+        </pc:picChg>
+      </pc:sldChg>
+      <pc:sldChg chg="delSp">
+        <pc:chgData name="Erkan ŞİRİN" userId="7f10ce1d6aaf8c5d" providerId="LiveId" clId="{07DE2D32-9988-4E4F-B4DC-7E419961CC4C}" dt="2019-07-23T20:49:53.094" v="8" actId="478"/>
+        <pc:sldMkLst>
+          <pc:docMk/>
+          <pc:sldMk cId="2580831225" sldId="320"/>
+        </pc:sldMkLst>
+        <pc:picChg chg="del">
+          <ac:chgData name="Erkan ŞİRİN" userId="7f10ce1d6aaf8c5d" providerId="LiveId" clId="{07DE2D32-9988-4E4F-B4DC-7E419961CC4C}" dt="2019-07-23T20:49:53.094" v="8" actId="478"/>
+          <ac:picMkLst>
+            <pc:docMk/>
+            <pc:sldMk cId="2580831225" sldId="320"/>
+            <ac:picMk id="20" creationId="{8EE1B7BD-0268-4556-9433-F1BE565934BA}"/>
+          </ac:picMkLst>
+        </pc:picChg>
+      </pc:sldChg>
+      <pc:sldChg chg="delSp">
+        <pc:chgData name="Erkan ŞİRİN" userId="7f10ce1d6aaf8c5d" providerId="LiveId" clId="{07DE2D32-9988-4E4F-B4DC-7E419961CC4C}" dt="2019-07-23T20:49:54.207" v="9" actId="478"/>
+        <pc:sldMkLst>
+          <pc:docMk/>
+          <pc:sldMk cId="357792078" sldId="321"/>
+        </pc:sldMkLst>
+        <pc:picChg chg="del">
+          <ac:chgData name="Erkan ŞİRİN" userId="7f10ce1d6aaf8c5d" providerId="LiveId" clId="{07DE2D32-9988-4E4F-B4DC-7E419961CC4C}" dt="2019-07-23T20:49:54.207" v="9" actId="478"/>
+          <ac:picMkLst>
+            <pc:docMk/>
+            <pc:sldMk cId="357792078" sldId="321"/>
+            <ac:picMk id="20" creationId="{7B0499BC-F07F-40C7-9763-603A0E023111}"/>
+          </ac:picMkLst>
+        </pc:picChg>
+      </pc:sldChg>
+      <pc:sldChg chg="delSp">
+        <pc:chgData name="Erkan ŞİRİN" userId="7f10ce1d6aaf8c5d" providerId="LiveId" clId="{07DE2D32-9988-4E4F-B4DC-7E419961CC4C}" dt="2019-07-23T20:50:01.660" v="15" actId="478"/>
+        <pc:sldMkLst>
+          <pc:docMk/>
+          <pc:sldMk cId="375890859" sldId="322"/>
+        </pc:sldMkLst>
+        <pc:picChg chg="del">
+          <ac:chgData name="Erkan ŞİRİN" userId="7f10ce1d6aaf8c5d" providerId="LiveId" clId="{07DE2D32-9988-4E4F-B4DC-7E419961CC4C}" dt="2019-07-23T20:50:01.660" v="15" actId="478"/>
+          <ac:picMkLst>
+            <pc:docMk/>
+            <pc:sldMk cId="375890859" sldId="322"/>
+            <ac:picMk id="13" creationId="{46AE98A1-C83D-4117-93CB-FF1A8BC7B2C0}"/>
+          </ac:picMkLst>
+        </pc:picChg>
+      </pc:sldChg>
+      <pc:sldChg chg="delSp">
+        <pc:chgData name="Erkan ŞİRİN" userId="7f10ce1d6aaf8c5d" providerId="LiveId" clId="{07DE2D32-9988-4E4F-B4DC-7E419961CC4C}" dt="2019-07-23T20:50:05.527" v="18" actId="478"/>
+        <pc:sldMkLst>
+          <pc:docMk/>
+          <pc:sldMk cId="217251809" sldId="323"/>
+        </pc:sldMkLst>
+        <pc:picChg chg="del">
+          <ac:chgData name="Erkan ŞİRİN" userId="7f10ce1d6aaf8c5d" providerId="LiveId" clId="{07DE2D32-9988-4E4F-B4DC-7E419961CC4C}" dt="2019-07-23T20:50:05.527" v="18" actId="478"/>
+          <ac:picMkLst>
+            <pc:docMk/>
+            <pc:sldMk cId="217251809" sldId="323"/>
+            <ac:picMk id="13" creationId="{D63CCA29-8008-4DF8-9323-890A264EB0FC}"/>
+          </ac:picMkLst>
+        </pc:picChg>
+      </pc:sldChg>
+      <pc:sldChg chg="delSp">
+        <pc:chgData name="Erkan ŞİRİN" userId="7f10ce1d6aaf8c5d" providerId="LiveId" clId="{07DE2D32-9988-4E4F-B4DC-7E419961CC4C}" dt="2019-07-23T20:49:45.098" v="3" actId="478"/>
+        <pc:sldMkLst>
+          <pc:docMk/>
+          <pc:sldMk cId="1526527204" sldId="324"/>
+        </pc:sldMkLst>
+        <pc:picChg chg="del">
+          <ac:chgData name="Erkan ŞİRİN" userId="7f10ce1d6aaf8c5d" providerId="LiveId" clId="{07DE2D32-9988-4E4F-B4DC-7E419961CC4C}" dt="2019-07-23T20:49:45.098" v="3" actId="478"/>
+          <ac:picMkLst>
+            <pc:docMk/>
+            <pc:sldMk cId="1526527204" sldId="324"/>
+            <ac:picMk id="13" creationId="{AFEC5E06-1304-4DE3-9231-0D97850D3B4E}"/>
+          </ac:picMkLst>
+        </pc:picChg>
+      </pc:sldChg>
+    </pc:docChg>
+  </pc:docChgLst>
   <pc:docChgLst>
     <pc:chgData name="Erkan ŞİRİN" userId="7f10ce1d6aaf8c5d" providerId="LiveId" clId="{7FF9C8FB-BB96-424C-BF05-ACCF6E0AD37D}"/>
     <pc:docChg chg="custSel modSld">
@@ -845,7 +1244,7 @@
           <a:p>
             <a:fld id="{6F77F576-AE14-466D-AA6B-335273622B21}" type="datetimeFigureOut">
               <a:rPr lang="en-US" smtClean="0"/>
-              <a:t>5/8/2019</a:t>
+              <a:t>7/23/2019</a:t>
             </a:fld>
             <a:endParaRPr lang="en-US"/>
           </a:p>
@@ -1244,7 +1643,7 @@
           <a:p>
             <a:fld id="{54AA066D-271F-4C1A-B89A-0705A7689EE9}" type="datetimeFigureOut">
               <a:rPr lang="en-US" smtClean="0"/>
-              <a:t>5/8/2019</a:t>
+              <a:t>7/23/2019</a:t>
             </a:fld>
             <a:endParaRPr lang="en-US"/>
           </a:p>
@@ -1414,7 +1813,7 @@
           <a:p>
             <a:fld id="{54AA066D-271F-4C1A-B89A-0705A7689EE9}" type="datetimeFigureOut">
               <a:rPr lang="en-US" smtClean="0"/>
-              <a:t>5/8/2019</a:t>
+              <a:t>7/23/2019</a:t>
             </a:fld>
             <a:endParaRPr lang="en-US"/>
           </a:p>
@@ -1594,7 +1993,7 @@
           <a:p>
             <a:fld id="{54AA066D-271F-4C1A-B89A-0705A7689EE9}" type="datetimeFigureOut">
               <a:rPr lang="en-US" smtClean="0"/>
-              <a:t>5/8/2019</a:t>
+              <a:t>7/23/2019</a:t>
             </a:fld>
             <a:endParaRPr lang="en-US"/>
           </a:p>
@@ -1764,7 +2163,7 @@
           <a:p>
             <a:fld id="{54AA066D-271F-4C1A-B89A-0705A7689EE9}" type="datetimeFigureOut">
               <a:rPr lang="en-US" smtClean="0"/>
-              <a:t>5/8/2019</a:t>
+              <a:t>7/23/2019</a:t>
             </a:fld>
             <a:endParaRPr lang="en-US"/>
           </a:p>
@@ -2010,7 +2409,7 @@
           <a:p>
             <a:fld id="{54AA066D-271F-4C1A-B89A-0705A7689EE9}" type="datetimeFigureOut">
               <a:rPr lang="en-US" smtClean="0"/>
-              <a:t>5/8/2019</a:t>
+              <a:t>7/23/2019</a:t>
             </a:fld>
             <a:endParaRPr lang="en-US"/>
           </a:p>
@@ -2242,7 +2641,7 @@
           <a:p>
             <a:fld id="{54AA066D-271F-4C1A-B89A-0705A7689EE9}" type="datetimeFigureOut">
               <a:rPr lang="en-US" smtClean="0"/>
-              <a:t>5/8/2019</a:t>
+              <a:t>7/23/2019</a:t>
             </a:fld>
             <a:endParaRPr lang="en-US"/>
           </a:p>
@@ -2609,7 +3008,7 @@
           <a:p>
             <a:fld id="{54AA066D-271F-4C1A-B89A-0705A7689EE9}" type="datetimeFigureOut">
               <a:rPr lang="en-US" smtClean="0"/>
-              <a:t>5/8/2019</a:t>
+              <a:t>7/23/2019</a:t>
             </a:fld>
             <a:endParaRPr lang="en-US"/>
           </a:p>
@@ -2727,7 +3126,7 @@
           <a:p>
             <a:fld id="{54AA066D-271F-4C1A-B89A-0705A7689EE9}" type="datetimeFigureOut">
               <a:rPr lang="en-US" smtClean="0"/>
-              <a:t>5/8/2019</a:t>
+              <a:t>7/23/2019</a:t>
             </a:fld>
             <a:endParaRPr lang="en-US"/>
           </a:p>
@@ -2822,7 +3221,7 @@
           <a:p>
             <a:fld id="{54AA066D-271F-4C1A-B89A-0705A7689EE9}" type="datetimeFigureOut">
               <a:rPr lang="en-US" smtClean="0"/>
-              <a:t>5/8/2019</a:t>
+              <a:t>7/23/2019</a:t>
             </a:fld>
             <a:endParaRPr lang="en-US"/>
           </a:p>
@@ -3099,7 +3498,7 @@
           <a:p>
             <a:fld id="{54AA066D-271F-4C1A-B89A-0705A7689EE9}" type="datetimeFigureOut">
               <a:rPr lang="en-US" smtClean="0"/>
-              <a:t>5/8/2019</a:t>
+              <a:t>7/23/2019</a:t>
             </a:fld>
             <a:endParaRPr lang="en-US"/>
           </a:p>
@@ -3352,7 +3751,7 @@
           <a:p>
             <a:fld id="{54AA066D-271F-4C1A-B89A-0705A7689EE9}" type="datetimeFigureOut">
               <a:rPr lang="en-US" smtClean="0"/>
-              <a:t>5/8/2019</a:t>
+              <a:t>7/23/2019</a:t>
             </a:fld>
             <a:endParaRPr lang="en-US"/>
           </a:p>
@@ -3565,7 +3964,7 @@
           <a:p>
             <a:fld id="{54AA066D-271F-4C1A-B89A-0705A7689EE9}" type="datetimeFigureOut">
               <a:rPr lang="en-US" smtClean="0"/>
-              <a:t>5/8/2019</a:t>
+              <a:t>7/23/2019</a:t>
             </a:fld>
             <a:endParaRPr lang="en-US"/>
           </a:p>
@@ -4113,42 +4512,6 @@
           </a:p>
         </p:txBody>
       </p:sp>
-      <p:pic>
-        <p:nvPicPr>
-          <p:cNvPr id="13" name="Resim 12">
-            <a:extLst>
-              <a:ext uri="{FF2B5EF4-FFF2-40B4-BE49-F238E27FC236}">
-                <a16:creationId xmlns:a16="http://schemas.microsoft.com/office/drawing/2014/main" id="{2313B9DD-3810-4ECA-968D-C9BCB1A4DC19}"/>
-              </a:ext>
-            </a:extLst>
-          </p:cNvPr>
-          <p:cNvPicPr>
-            <a:picLocks noChangeAspect="1"/>
-          </p:cNvPicPr>
-          <p:nvPr/>
-        </p:nvPicPr>
-        <p:blipFill>
-          <a:blip r:embed="rId3">
-            <a:extLst>
-              <a:ext uri="{28A0092B-C50C-407E-A947-70E740481C1C}">
-                <a14:useLocalDpi xmlns:a14="http://schemas.microsoft.com/office/drawing/2010/main" val="0"/>
-              </a:ext>
-            </a:extLst>
-          </a:blip>
-          <a:stretch>
-            <a:fillRect/>
-          </a:stretch>
-        </p:blipFill>
-        <p:spPr>
-          <a:xfrm>
-            <a:off x="340622" y="6362072"/>
-            <a:ext cx="2154700" cy="308365"/>
-          </a:xfrm>
-          <a:prstGeom prst="rect">
-            <a:avLst/>
-          </a:prstGeom>
-        </p:spPr>
-      </p:pic>
     </p:spTree>
     <p:extLst>
       <p:ext uri="{BB962C8B-B14F-4D97-AF65-F5344CB8AC3E}">
@@ -4661,42 +5024,6 @@
           </a:p>
         </p:txBody>
       </p:sp>
-      <p:pic>
-        <p:nvPicPr>
-          <p:cNvPr id="20" name="Resim 19">
-            <a:extLst>
-              <a:ext uri="{FF2B5EF4-FFF2-40B4-BE49-F238E27FC236}">
-                <a16:creationId xmlns:a16="http://schemas.microsoft.com/office/drawing/2014/main" id="{7B0499BC-F07F-40C7-9763-603A0E023111}"/>
-              </a:ext>
-            </a:extLst>
-          </p:cNvPr>
-          <p:cNvPicPr>
-            <a:picLocks noChangeAspect="1"/>
-          </p:cNvPicPr>
-          <p:nvPr/>
-        </p:nvPicPr>
-        <p:blipFill>
-          <a:blip r:embed="rId2">
-            <a:extLst>
-              <a:ext uri="{28A0092B-C50C-407E-A947-70E740481C1C}">
-                <a14:useLocalDpi xmlns:a14="http://schemas.microsoft.com/office/drawing/2010/main" val="0"/>
-              </a:ext>
-            </a:extLst>
-          </a:blip>
-          <a:stretch>
-            <a:fillRect/>
-          </a:stretch>
-        </p:blipFill>
-        <p:spPr>
-          <a:xfrm>
-            <a:off x="340622" y="6362072"/>
-            <a:ext cx="2154700" cy="308365"/>
-          </a:xfrm>
-          <a:prstGeom prst="rect">
-            <a:avLst/>
-          </a:prstGeom>
-        </p:spPr>
-      </p:pic>
     </p:spTree>
     <p:extLst>
       <p:ext uri="{BB962C8B-B14F-4D97-AF65-F5344CB8AC3E}">
@@ -5156,42 +5483,6 @@
           </a:p>
         </p:txBody>
       </p:sp>
-      <p:pic>
-        <p:nvPicPr>
-          <p:cNvPr id="20" name="Resim 19">
-            <a:extLst>
-              <a:ext uri="{FF2B5EF4-FFF2-40B4-BE49-F238E27FC236}">
-                <a16:creationId xmlns:a16="http://schemas.microsoft.com/office/drawing/2014/main" id="{77574273-45DE-45EA-8BCE-48B6FE258DB6}"/>
-              </a:ext>
-            </a:extLst>
-          </p:cNvPr>
-          <p:cNvPicPr>
-            <a:picLocks noChangeAspect="1"/>
-          </p:cNvPicPr>
-          <p:nvPr/>
-        </p:nvPicPr>
-        <p:blipFill>
-          <a:blip r:embed="rId2">
-            <a:extLst>
-              <a:ext uri="{28A0092B-C50C-407E-A947-70E740481C1C}">
-                <a14:useLocalDpi xmlns:a14="http://schemas.microsoft.com/office/drawing/2010/main" val="0"/>
-              </a:ext>
-            </a:extLst>
-          </a:blip>
-          <a:stretch>
-            <a:fillRect/>
-          </a:stretch>
-        </p:blipFill>
-        <p:spPr>
-          <a:xfrm>
-            <a:off x="340622" y="6362072"/>
-            <a:ext cx="2154700" cy="308365"/>
-          </a:xfrm>
-          <a:prstGeom prst="rect">
-            <a:avLst/>
-          </a:prstGeom>
-        </p:spPr>
-      </p:pic>
     </p:spTree>
     <p:extLst>
       <p:ext uri="{BB962C8B-B14F-4D97-AF65-F5344CB8AC3E}">
@@ -5635,42 +5926,6 @@
           </a:p>
         </p:txBody>
       </p:sp>
-      <p:pic>
-        <p:nvPicPr>
-          <p:cNvPr id="20" name="Resim 19">
-            <a:extLst>
-              <a:ext uri="{FF2B5EF4-FFF2-40B4-BE49-F238E27FC236}">
-                <a16:creationId xmlns:a16="http://schemas.microsoft.com/office/drawing/2014/main" id="{ABDB5B26-1A3C-4B3D-BF6D-489CE0FC4CCC}"/>
-              </a:ext>
-            </a:extLst>
-          </p:cNvPr>
-          <p:cNvPicPr>
-            <a:picLocks noChangeAspect="1"/>
-          </p:cNvPicPr>
-          <p:nvPr/>
-        </p:nvPicPr>
-        <p:blipFill>
-          <a:blip r:embed="rId2">
-            <a:extLst>
-              <a:ext uri="{28A0092B-C50C-407E-A947-70E740481C1C}">
-                <a14:useLocalDpi xmlns:a14="http://schemas.microsoft.com/office/drawing/2010/main" val="0"/>
-              </a:ext>
-            </a:extLst>
-          </a:blip>
-          <a:stretch>
-            <a:fillRect/>
-          </a:stretch>
-        </p:blipFill>
-        <p:spPr>
-          <a:xfrm>
-            <a:off x="340622" y="6362072"/>
-            <a:ext cx="2154700" cy="308365"/>
-          </a:xfrm>
-          <a:prstGeom prst="rect">
-            <a:avLst/>
-          </a:prstGeom>
-        </p:spPr>
-      </p:pic>
     </p:spTree>
     <p:extLst>
       <p:ext uri="{BB962C8B-B14F-4D97-AF65-F5344CB8AC3E}">
@@ -6117,42 +6372,6 @@
           </a:p>
         </p:txBody>
       </p:sp>
-      <p:pic>
-        <p:nvPicPr>
-          <p:cNvPr id="21" name="Resim 20">
-            <a:extLst>
-              <a:ext uri="{FF2B5EF4-FFF2-40B4-BE49-F238E27FC236}">
-                <a16:creationId xmlns:a16="http://schemas.microsoft.com/office/drawing/2014/main" id="{826D8145-BBDE-473B-A390-5CB5CD198615}"/>
-              </a:ext>
-            </a:extLst>
-          </p:cNvPr>
-          <p:cNvPicPr>
-            <a:picLocks noChangeAspect="1"/>
-          </p:cNvPicPr>
-          <p:nvPr/>
-        </p:nvPicPr>
-        <p:blipFill>
-          <a:blip r:embed="rId2">
-            <a:extLst>
-              <a:ext uri="{28A0092B-C50C-407E-A947-70E740481C1C}">
-                <a14:useLocalDpi xmlns:a14="http://schemas.microsoft.com/office/drawing/2010/main" val="0"/>
-              </a:ext>
-            </a:extLst>
-          </a:blip>
-          <a:stretch>
-            <a:fillRect/>
-          </a:stretch>
-        </p:blipFill>
-        <p:spPr>
-          <a:xfrm>
-            <a:off x="340622" y="6362072"/>
-            <a:ext cx="2154700" cy="308365"/>
-          </a:xfrm>
-          <a:prstGeom prst="rect">
-            <a:avLst/>
-          </a:prstGeom>
-        </p:spPr>
-      </p:pic>
     </p:spTree>
     <p:extLst>
       <p:ext uri="{BB962C8B-B14F-4D97-AF65-F5344CB8AC3E}">
@@ -6590,42 +6809,6 @@
           </a:p>
         </p:txBody>
       </p:sp>
-      <p:pic>
-        <p:nvPicPr>
-          <p:cNvPr id="21" name="Resim 20">
-            <a:extLst>
-              <a:ext uri="{FF2B5EF4-FFF2-40B4-BE49-F238E27FC236}">
-                <a16:creationId xmlns:a16="http://schemas.microsoft.com/office/drawing/2014/main" id="{B1BC7DB5-552B-467E-9B3F-6F3EF58D08E6}"/>
-              </a:ext>
-            </a:extLst>
-          </p:cNvPr>
-          <p:cNvPicPr>
-            <a:picLocks noChangeAspect="1"/>
-          </p:cNvPicPr>
-          <p:nvPr/>
-        </p:nvPicPr>
-        <p:blipFill>
-          <a:blip r:embed="rId2">
-            <a:extLst>
-              <a:ext uri="{28A0092B-C50C-407E-A947-70E740481C1C}">
-                <a14:useLocalDpi xmlns:a14="http://schemas.microsoft.com/office/drawing/2010/main" val="0"/>
-              </a:ext>
-            </a:extLst>
-          </a:blip>
-          <a:stretch>
-            <a:fillRect/>
-          </a:stretch>
-        </p:blipFill>
-        <p:spPr>
-          <a:xfrm>
-            <a:off x="340622" y="6362072"/>
-            <a:ext cx="2154700" cy="308365"/>
-          </a:xfrm>
-          <a:prstGeom prst="rect">
-            <a:avLst/>
-          </a:prstGeom>
-        </p:spPr>
-      </p:pic>
     </p:spTree>
     <p:extLst>
       <p:ext uri="{BB962C8B-B14F-4D97-AF65-F5344CB8AC3E}">
@@ -7144,42 +7327,6 @@
           </a:p>
         </p:txBody>
       </p:sp>
-      <p:pic>
-        <p:nvPicPr>
-          <p:cNvPr id="13" name="Resim 12">
-            <a:extLst>
-              <a:ext uri="{FF2B5EF4-FFF2-40B4-BE49-F238E27FC236}">
-                <a16:creationId xmlns:a16="http://schemas.microsoft.com/office/drawing/2014/main" id="{E8B4654E-4BFB-4C8D-BF55-ACC63C74E5D5}"/>
-              </a:ext>
-            </a:extLst>
-          </p:cNvPr>
-          <p:cNvPicPr>
-            <a:picLocks noChangeAspect="1"/>
-          </p:cNvPicPr>
-          <p:nvPr/>
-        </p:nvPicPr>
-        <p:blipFill>
-          <a:blip r:embed="rId2">
-            <a:extLst>
-              <a:ext uri="{28A0092B-C50C-407E-A947-70E740481C1C}">
-                <a14:useLocalDpi xmlns:a14="http://schemas.microsoft.com/office/drawing/2010/main" val="0"/>
-              </a:ext>
-            </a:extLst>
-          </a:blip>
-          <a:stretch>
-            <a:fillRect/>
-          </a:stretch>
-        </p:blipFill>
-        <p:spPr>
-          <a:xfrm>
-            <a:off x="340622" y="6362072"/>
-            <a:ext cx="2154700" cy="308365"/>
-          </a:xfrm>
-          <a:prstGeom prst="rect">
-            <a:avLst/>
-          </a:prstGeom>
-        </p:spPr>
-      </p:pic>
     </p:spTree>
     <p:extLst>
       <p:ext uri="{BB962C8B-B14F-4D97-AF65-F5344CB8AC3E}">
@@ -8829,42 +8976,6 @@
           </a:p>
         </p:txBody>
       </p:sp>
-      <p:pic>
-        <p:nvPicPr>
-          <p:cNvPr id="13" name="Resim 12">
-            <a:extLst>
-              <a:ext uri="{FF2B5EF4-FFF2-40B4-BE49-F238E27FC236}">
-                <a16:creationId xmlns:a16="http://schemas.microsoft.com/office/drawing/2014/main" id="{46AE98A1-C83D-4117-93CB-FF1A8BC7B2C0}"/>
-              </a:ext>
-            </a:extLst>
-          </p:cNvPr>
-          <p:cNvPicPr>
-            <a:picLocks noChangeAspect="1"/>
-          </p:cNvPicPr>
-          <p:nvPr/>
-        </p:nvPicPr>
-        <p:blipFill>
-          <a:blip r:embed="rId2">
-            <a:extLst>
-              <a:ext uri="{28A0092B-C50C-407E-A947-70E740481C1C}">
-                <a14:useLocalDpi xmlns:a14="http://schemas.microsoft.com/office/drawing/2010/main" val="0"/>
-              </a:ext>
-            </a:extLst>
-          </a:blip>
-          <a:stretch>
-            <a:fillRect/>
-          </a:stretch>
-        </p:blipFill>
-        <p:spPr>
-          <a:xfrm>
-            <a:off x="340622" y="6362072"/>
-            <a:ext cx="2154700" cy="308365"/>
-          </a:xfrm>
-          <a:prstGeom prst="rect">
-            <a:avLst/>
-          </a:prstGeom>
-        </p:spPr>
-      </p:pic>
     </p:spTree>
     <p:extLst>
       <p:ext uri="{BB962C8B-B14F-4D97-AF65-F5344CB8AC3E}">
@@ -11097,42 +11208,6 @@
           </a:graphicData>
         </a:graphic>
       </p:graphicFrame>
-      <p:pic>
-        <p:nvPicPr>
-          <p:cNvPr id="22" name="Resim 21">
-            <a:extLst>
-              <a:ext uri="{FF2B5EF4-FFF2-40B4-BE49-F238E27FC236}">
-                <a16:creationId xmlns:a16="http://schemas.microsoft.com/office/drawing/2014/main" id="{8743FD05-9A9E-4962-8E5B-DAE27703BBE1}"/>
-              </a:ext>
-            </a:extLst>
-          </p:cNvPr>
-          <p:cNvPicPr>
-            <a:picLocks noChangeAspect="1"/>
-          </p:cNvPicPr>
-          <p:nvPr/>
-        </p:nvPicPr>
-        <p:blipFill>
-          <a:blip r:embed="rId2">
-            <a:extLst>
-              <a:ext uri="{28A0092B-C50C-407E-A947-70E740481C1C}">
-                <a14:useLocalDpi xmlns:a14="http://schemas.microsoft.com/office/drawing/2010/main" val="0"/>
-              </a:ext>
-            </a:extLst>
-          </a:blip>
-          <a:stretch>
-            <a:fillRect/>
-          </a:stretch>
-        </p:blipFill>
-        <p:spPr>
-          <a:xfrm>
-            <a:off x="340622" y="6362072"/>
-            <a:ext cx="2154700" cy="308365"/>
-          </a:xfrm>
-          <a:prstGeom prst="rect">
-            <a:avLst/>
-          </a:prstGeom>
-        </p:spPr>
-      </p:pic>
     </p:spTree>
     <p:extLst>
       <p:ext uri="{BB962C8B-B14F-4D97-AF65-F5344CB8AC3E}">
@@ -12342,42 +12417,6 @@
           </a:p>
         </p:txBody>
       </p:sp>
-      <p:pic>
-        <p:nvPicPr>
-          <p:cNvPr id="13" name="Resim 12">
-            <a:extLst>
-              <a:ext uri="{FF2B5EF4-FFF2-40B4-BE49-F238E27FC236}">
-                <a16:creationId xmlns:a16="http://schemas.microsoft.com/office/drawing/2014/main" id="{4EB5C454-411C-4110-8237-37C9187A91FA}"/>
-              </a:ext>
-            </a:extLst>
-          </p:cNvPr>
-          <p:cNvPicPr>
-            <a:picLocks noChangeAspect="1"/>
-          </p:cNvPicPr>
-          <p:nvPr/>
-        </p:nvPicPr>
-        <p:blipFill>
-          <a:blip r:embed="rId2">
-            <a:extLst>
-              <a:ext uri="{28A0092B-C50C-407E-A947-70E740481C1C}">
-                <a14:useLocalDpi xmlns:a14="http://schemas.microsoft.com/office/drawing/2010/main" val="0"/>
-              </a:ext>
-            </a:extLst>
-          </a:blip>
-          <a:stretch>
-            <a:fillRect/>
-          </a:stretch>
-        </p:blipFill>
-        <p:spPr>
-          <a:xfrm>
-            <a:off x="340622" y="6362072"/>
-            <a:ext cx="2154700" cy="308365"/>
-          </a:xfrm>
-          <a:prstGeom prst="rect">
-            <a:avLst/>
-          </a:prstGeom>
-        </p:spPr>
-      </p:pic>
     </p:spTree>
     <p:extLst>
       <p:ext uri="{BB962C8B-B14F-4D97-AF65-F5344CB8AC3E}">
@@ -14260,42 +14299,6 @@
           </a:p>
         </p:txBody>
       </p:sp>
-      <p:pic>
-        <p:nvPicPr>
-          <p:cNvPr id="13" name="Resim 12">
-            <a:extLst>
-              <a:ext uri="{FF2B5EF4-FFF2-40B4-BE49-F238E27FC236}">
-                <a16:creationId xmlns:a16="http://schemas.microsoft.com/office/drawing/2014/main" id="{D63CCA29-8008-4DF8-9323-890A264EB0FC}"/>
-              </a:ext>
-            </a:extLst>
-          </p:cNvPr>
-          <p:cNvPicPr>
-            <a:picLocks noChangeAspect="1"/>
-          </p:cNvPicPr>
-          <p:nvPr/>
-        </p:nvPicPr>
-        <p:blipFill>
-          <a:blip r:embed="rId2">
-            <a:extLst>
-              <a:ext uri="{28A0092B-C50C-407E-A947-70E740481C1C}">
-                <a14:useLocalDpi xmlns:a14="http://schemas.microsoft.com/office/drawing/2010/main" val="0"/>
-              </a:ext>
-            </a:extLst>
-          </a:blip>
-          <a:stretch>
-            <a:fillRect/>
-          </a:stretch>
-        </p:blipFill>
-        <p:spPr>
-          <a:xfrm>
-            <a:off x="340622" y="6362072"/>
-            <a:ext cx="2154700" cy="308365"/>
-          </a:xfrm>
-          <a:prstGeom prst="rect">
-            <a:avLst/>
-          </a:prstGeom>
-        </p:spPr>
-      </p:pic>
     </p:spTree>
     <p:extLst>
       <p:ext uri="{BB962C8B-B14F-4D97-AF65-F5344CB8AC3E}">
@@ -15614,42 +15617,6 @@
           </a:p>
         </p:txBody>
       </p:sp>
-      <p:pic>
-        <p:nvPicPr>
-          <p:cNvPr id="13" name="Resim 12">
-            <a:extLst>
-              <a:ext uri="{FF2B5EF4-FFF2-40B4-BE49-F238E27FC236}">
-                <a16:creationId xmlns:a16="http://schemas.microsoft.com/office/drawing/2014/main" id="{8A641F81-F3A5-46F9-AEAF-76F28887CACF}"/>
-              </a:ext>
-            </a:extLst>
-          </p:cNvPr>
-          <p:cNvPicPr>
-            <a:picLocks noChangeAspect="1"/>
-          </p:cNvPicPr>
-          <p:nvPr/>
-        </p:nvPicPr>
-        <p:blipFill>
-          <a:blip r:embed="rId2">
-            <a:extLst>
-              <a:ext uri="{28A0092B-C50C-407E-A947-70E740481C1C}">
-                <a14:useLocalDpi xmlns:a14="http://schemas.microsoft.com/office/drawing/2010/main" val="0"/>
-              </a:ext>
-            </a:extLst>
-          </a:blip>
-          <a:stretch>
-            <a:fillRect/>
-          </a:stretch>
-        </p:blipFill>
-        <p:spPr>
-          <a:xfrm>
-            <a:off x="340622" y="6362072"/>
-            <a:ext cx="2154700" cy="308365"/>
-          </a:xfrm>
-          <a:prstGeom prst="rect">
-            <a:avLst/>
-          </a:prstGeom>
-        </p:spPr>
-      </p:pic>
     </p:spTree>
     <p:extLst>
       <p:ext uri="{BB962C8B-B14F-4D97-AF65-F5344CB8AC3E}">
@@ -15804,42 +15771,6 @@
           </a:p>
         </p:txBody>
       </p:sp>
-      <p:pic>
-        <p:nvPicPr>
-          <p:cNvPr id="11" name="Resim 10">
-            <a:extLst>
-              <a:ext uri="{FF2B5EF4-FFF2-40B4-BE49-F238E27FC236}">
-                <a16:creationId xmlns:a16="http://schemas.microsoft.com/office/drawing/2014/main" id="{EAC5A706-ED0E-4C49-ADF2-C8D6C52560AA}"/>
-              </a:ext>
-            </a:extLst>
-          </p:cNvPr>
-          <p:cNvPicPr>
-            <a:picLocks noChangeAspect="1"/>
-          </p:cNvPicPr>
-          <p:nvPr/>
-        </p:nvPicPr>
-        <p:blipFill>
-          <a:blip r:embed="rId2">
-            <a:extLst>
-              <a:ext uri="{28A0092B-C50C-407E-A947-70E740481C1C}">
-                <a14:useLocalDpi xmlns:a14="http://schemas.microsoft.com/office/drawing/2010/main" val="0"/>
-              </a:ext>
-            </a:extLst>
-          </a:blip>
-          <a:stretch>
-            <a:fillRect/>
-          </a:stretch>
-        </p:blipFill>
-        <p:spPr>
-          <a:xfrm>
-            <a:off x="340622" y="6362072"/>
-            <a:ext cx="2154700" cy="308365"/>
-          </a:xfrm>
-          <a:prstGeom prst="rect">
-            <a:avLst/>
-          </a:prstGeom>
-        </p:spPr>
-      </p:pic>
     </p:spTree>
     <p:extLst>
       <p:ext uri="{BB962C8B-B14F-4D97-AF65-F5344CB8AC3E}">
@@ -16151,42 +16082,6 @@
           </a:p>
         </p:txBody>
       </p:sp>
-      <p:pic>
-        <p:nvPicPr>
-          <p:cNvPr id="13" name="Resim 12">
-            <a:extLst>
-              <a:ext uri="{FF2B5EF4-FFF2-40B4-BE49-F238E27FC236}">
-                <a16:creationId xmlns:a16="http://schemas.microsoft.com/office/drawing/2014/main" id="{E303F36D-5476-4BC7-BC8C-A68B1FE0869D}"/>
-              </a:ext>
-            </a:extLst>
-          </p:cNvPr>
-          <p:cNvPicPr>
-            <a:picLocks noChangeAspect="1"/>
-          </p:cNvPicPr>
-          <p:nvPr/>
-        </p:nvPicPr>
-        <p:blipFill>
-          <a:blip r:embed="rId2">
-            <a:extLst>
-              <a:ext uri="{28A0092B-C50C-407E-A947-70E740481C1C}">
-                <a14:useLocalDpi xmlns:a14="http://schemas.microsoft.com/office/drawing/2010/main" val="0"/>
-              </a:ext>
-            </a:extLst>
-          </a:blip>
-          <a:stretch>
-            <a:fillRect/>
-          </a:stretch>
-        </p:blipFill>
-        <p:spPr>
-          <a:xfrm>
-            <a:off x="340622" y="6362072"/>
-            <a:ext cx="2154700" cy="308365"/>
-          </a:xfrm>
-          <a:prstGeom prst="rect">
-            <a:avLst/>
-          </a:prstGeom>
-        </p:spPr>
-      </p:pic>
     </p:spTree>
     <p:extLst>
       <p:ext uri="{BB962C8B-B14F-4D97-AF65-F5344CB8AC3E}">
@@ -16701,42 +16596,6 @@
           </a:p>
         </p:txBody>
       </p:sp>
-      <p:pic>
-        <p:nvPicPr>
-          <p:cNvPr id="22" name="Resim 21">
-            <a:extLst>
-              <a:ext uri="{FF2B5EF4-FFF2-40B4-BE49-F238E27FC236}">
-                <a16:creationId xmlns:a16="http://schemas.microsoft.com/office/drawing/2014/main" id="{C3959BC3-786A-4038-9467-9DA8C6811317}"/>
-              </a:ext>
-            </a:extLst>
-          </p:cNvPr>
-          <p:cNvPicPr>
-            <a:picLocks noChangeAspect="1"/>
-          </p:cNvPicPr>
-          <p:nvPr/>
-        </p:nvPicPr>
-        <p:blipFill>
-          <a:blip r:embed="rId2">
-            <a:extLst>
-              <a:ext uri="{28A0092B-C50C-407E-A947-70E740481C1C}">
-                <a14:useLocalDpi xmlns:a14="http://schemas.microsoft.com/office/drawing/2010/main" val="0"/>
-              </a:ext>
-            </a:extLst>
-          </a:blip>
-          <a:stretch>
-            <a:fillRect/>
-          </a:stretch>
-        </p:blipFill>
-        <p:spPr>
-          <a:xfrm>
-            <a:off x="340622" y="6362072"/>
-            <a:ext cx="2154700" cy="308365"/>
-          </a:xfrm>
-          <a:prstGeom prst="rect">
-            <a:avLst/>
-          </a:prstGeom>
-        </p:spPr>
-      </p:pic>
     </p:spTree>
     <p:extLst>
       <p:ext uri="{BB962C8B-B14F-4D97-AF65-F5344CB8AC3E}">
@@ -17269,42 +17128,6 @@
           </a:p>
         </p:txBody>
       </p:sp>
-      <p:pic>
-        <p:nvPicPr>
-          <p:cNvPr id="22" name="Resim 21">
-            <a:extLst>
-              <a:ext uri="{FF2B5EF4-FFF2-40B4-BE49-F238E27FC236}">
-                <a16:creationId xmlns:a16="http://schemas.microsoft.com/office/drawing/2014/main" id="{3145475F-B442-4145-A0C9-47525920D534}"/>
-              </a:ext>
-            </a:extLst>
-          </p:cNvPr>
-          <p:cNvPicPr>
-            <a:picLocks noChangeAspect="1"/>
-          </p:cNvPicPr>
-          <p:nvPr/>
-        </p:nvPicPr>
-        <p:blipFill>
-          <a:blip r:embed="rId2">
-            <a:extLst>
-              <a:ext uri="{28A0092B-C50C-407E-A947-70E740481C1C}">
-                <a14:useLocalDpi xmlns:a14="http://schemas.microsoft.com/office/drawing/2010/main" val="0"/>
-              </a:ext>
-            </a:extLst>
-          </a:blip>
-          <a:stretch>
-            <a:fillRect/>
-          </a:stretch>
-        </p:blipFill>
-        <p:spPr>
-          <a:xfrm>
-            <a:off x="340622" y="6362072"/>
-            <a:ext cx="2154700" cy="308365"/>
-          </a:xfrm>
-          <a:prstGeom prst="rect">
-            <a:avLst/>
-          </a:prstGeom>
-        </p:spPr>
-      </p:pic>
     </p:spTree>
     <p:extLst>
       <p:ext uri="{BB962C8B-B14F-4D97-AF65-F5344CB8AC3E}">
@@ -17831,42 +17654,6 @@
           </a:p>
         </p:txBody>
       </p:sp>
-      <p:pic>
-        <p:nvPicPr>
-          <p:cNvPr id="22" name="Resim 21">
-            <a:extLst>
-              <a:ext uri="{FF2B5EF4-FFF2-40B4-BE49-F238E27FC236}">
-                <a16:creationId xmlns:a16="http://schemas.microsoft.com/office/drawing/2014/main" id="{8E8B1C5F-6F27-43A4-A711-63D7157F7D9B}"/>
-              </a:ext>
-            </a:extLst>
-          </p:cNvPr>
-          <p:cNvPicPr>
-            <a:picLocks noChangeAspect="1"/>
-          </p:cNvPicPr>
-          <p:nvPr/>
-        </p:nvPicPr>
-        <p:blipFill>
-          <a:blip r:embed="rId2">
-            <a:extLst>
-              <a:ext uri="{28A0092B-C50C-407E-A947-70E740481C1C}">
-                <a14:useLocalDpi xmlns:a14="http://schemas.microsoft.com/office/drawing/2010/main" val="0"/>
-              </a:ext>
-            </a:extLst>
-          </a:blip>
-          <a:stretch>
-            <a:fillRect/>
-          </a:stretch>
-        </p:blipFill>
-        <p:spPr>
-          <a:xfrm>
-            <a:off x="340622" y="6362072"/>
-            <a:ext cx="2154700" cy="308365"/>
-          </a:xfrm>
-          <a:prstGeom prst="rect">
-            <a:avLst/>
-          </a:prstGeom>
-        </p:spPr>
-      </p:pic>
     </p:spTree>
     <p:extLst>
       <p:ext uri="{BB962C8B-B14F-4D97-AF65-F5344CB8AC3E}">
@@ -18393,42 +18180,6 @@
           </a:p>
         </p:txBody>
       </p:sp>
-      <p:pic>
-        <p:nvPicPr>
-          <p:cNvPr id="22" name="Resim 21">
-            <a:extLst>
-              <a:ext uri="{FF2B5EF4-FFF2-40B4-BE49-F238E27FC236}">
-                <a16:creationId xmlns:a16="http://schemas.microsoft.com/office/drawing/2014/main" id="{AD3B465A-96D4-4C76-86A0-8BAD7BC73E29}"/>
-              </a:ext>
-            </a:extLst>
-          </p:cNvPr>
-          <p:cNvPicPr>
-            <a:picLocks noChangeAspect="1"/>
-          </p:cNvPicPr>
-          <p:nvPr/>
-        </p:nvPicPr>
-        <p:blipFill>
-          <a:blip r:embed="rId2">
-            <a:extLst>
-              <a:ext uri="{28A0092B-C50C-407E-A947-70E740481C1C}">
-                <a14:useLocalDpi xmlns:a14="http://schemas.microsoft.com/office/drawing/2010/main" val="0"/>
-              </a:ext>
-            </a:extLst>
-          </a:blip>
-          <a:stretch>
-            <a:fillRect/>
-          </a:stretch>
-        </p:blipFill>
-        <p:spPr>
-          <a:xfrm>
-            <a:off x="340622" y="6362072"/>
-            <a:ext cx="2154700" cy="308365"/>
-          </a:xfrm>
-          <a:prstGeom prst="rect">
-            <a:avLst/>
-          </a:prstGeom>
-        </p:spPr>
-      </p:pic>
     </p:spTree>
     <p:extLst>
       <p:ext uri="{BB962C8B-B14F-4D97-AF65-F5344CB8AC3E}">
@@ -18947,42 +18698,6 @@
           </a:p>
         </p:txBody>
       </p:sp>
-      <p:pic>
-        <p:nvPicPr>
-          <p:cNvPr id="22" name="Resim 21">
-            <a:extLst>
-              <a:ext uri="{FF2B5EF4-FFF2-40B4-BE49-F238E27FC236}">
-                <a16:creationId xmlns:a16="http://schemas.microsoft.com/office/drawing/2014/main" id="{E2797DFC-1BD3-41E7-90ED-949AD6C1071B}"/>
-              </a:ext>
-            </a:extLst>
-          </p:cNvPr>
-          <p:cNvPicPr>
-            <a:picLocks noChangeAspect="1"/>
-          </p:cNvPicPr>
-          <p:nvPr/>
-        </p:nvPicPr>
-        <p:blipFill>
-          <a:blip r:embed="rId2">
-            <a:extLst>
-              <a:ext uri="{28A0092B-C50C-407E-A947-70E740481C1C}">
-                <a14:useLocalDpi xmlns:a14="http://schemas.microsoft.com/office/drawing/2010/main" val="0"/>
-              </a:ext>
-            </a:extLst>
-          </a:blip>
-          <a:stretch>
-            <a:fillRect/>
-          </a:stretch>
-        </p:blipFill>
-        <p:spPr>
-          <a:xfrm>
-            <a:off x="340622" y="6362072"/>
-            <a:ext cx="2154700" cy="308365"/>
-          </a:xfrm>
-          <a:prstGeom prst="rect">
-            <a:avLst/>
-          </a:prstGeom>
-        </p:spPr>
-      </p:pic>
     </p:spTree>
     <p:extLst>
       <p:ext uri="{BB962C8B-B14F-4D97-AF65-F5344CB8AC3E}">
@@ -19343,42 +19058,6 @@
           </a:p>
         </p:txBody>
       </p:sp>
-      <p:pic>
-        <p:nvPicPr>
-          <p:cNvPr id="13" name="Resim 12">
-            <a:extLst>
-              <a:ext uri="{FF2B5EF4-FFF2-40B4-BE49-F238E27FC236}">
-                <a16:creationId xmlns:a16="http://schemas.microsoft.com/office/drawing/2014/main" id="{A10B8818-807D-473D-AB55-D0C5EDCE3F06}"/>
-              </a:ext>
-            </a:extLst>
-          </p:cNvPr>
-          <p:cNvPicPr>
-            <a:picLocks noChangeAspect="1"/>
-          </p:cNvPicPr>
-          <p:nvPr/>
-        </p:nvPicPr>
-        <p:blipFill>
-          <a:blip r:embed="rId2">
-            <a:extLst>
-              <a:ext uri="{28A0092B-C50C-407E-A947-70E740481C1C}">
-                <a14:useLocalDpi xmlns:a14="http://schemas.microsoft.com/office/drawing/2010/main" val="0"/>
-              </a:ext>
-            </a:extLst>
-          </a:blip>
-          <a:stretch>
-            <a:fillRect/>
-          </a:stretch>
-        </p:blipFill>
-        <p:spPr>
-          <a:xfrm>
-            <a:off x="340622" y="6362072"/>
-            <a:ext cx="2154700" cy="308365"/>
-          </a:xfrm>
-          <a:prstGeom prst="rect">
-            <a:avLst/>
-          </a:prstGeom>
-        </p:spPr>
-      </p:pic>
     </p:spTree>
     <p:extLst>
       <p:ext uri="{BB962C8B-B14F-4D97-AF65-F5344CB8AC3E}">
@@ -20628,42 +20307,6 @@
           </a:p>
         </p:txBody>
       </p:sp>
-      <p:pic>
-        <p:nvPicPr>
-          <p:cNvPr id="13" name="Resim 12">
-            <a:extLst>
-              <a:ext uri="{FF2B5EF4-FFF2-40B4-BE49-F238E27FC236}">
-                <a16:creationId xmlns:a16="http://schemas.microsoft.com/office/drawing/2014/main" id="{AFEC5E06-1304-4DE3-9231-0D97850D3B4E}"/>
-              </a:ext>
-            </a:extLst>
-          </p:cNvPr>
-          <p:cNvPicPr>
-            <a:picLocks noChangeAspect="1"/>
-          </p:cNvPicPr>
-          <p:nvPr/>
-        </p:nvPicPr>
-        <p:blipFill>
-          <a:blip r:embed="rId2">
-            <a:extLst>
-              <a:ext uri="{28A0092B-C50C-407E-A947-70E740481C1C}">
-                <a14:useLocalDpi xmlns:a14="http://schemas.microsoft.com/office/drawing/2010/main" val="0"/>
-              </a:ext>
-            </a:extLst>
-          </a:blip>
-          <a:stretch>
-            <a:fillRect/>
-          </a:stretch>
-        </p:blipFill>
-        <p:spPr>
-          <a:xfrm>
-            <a:off x="340622" y="6362072"/>
-            <a:ext cx="2154700" cy="308365"/>
-          </a:xfrm>
-          <a:prstGeom prst="rect">
-            <a:avLst/>
-          </a:prstGeom>
-        </p:spPr>
-      </p:pic>
     </p:spTree>
     <p:extLst>
       <p:ext uri="{BB962C8B-B14F-4D97-AF65-F5344CB8AC3E}">
@@ -21457,42 +21100,6 @@
           </a:p>
         </p:txBody>
       </p:sp>
-      <p:pic>
-        <p:nvPicPr>
-          <p:cNvPr id="11" name="Resim 10">
-            <a:extLst>
-              <a:ext uri="{FF2B5EF4-FFF2-40B4-BE49-F238E27FC236}">
-                <a16:creationId xmlns:a16="http://schemas.microsoft.com/office/drawing/2014/main" id="{2DF527CD-82B1-4E1B-82CA-46BDE590CB00}"/>
-              </a:ext>
-            </a:extLst>
-          </p:cNvPr>
-          <p:cNvPicPr>
-            <a:picLocks noChangeAspect="1"/>
-          </p:cNvPicPr>
-          <p:nvPr/>
-        </p:nvPicPr>
-        <p:blipFill>
-          <a:blip r:embed="rId2">
-            <a:extLst>
-              <a:ext uri="{28A0092B-C50C-407E-A947-70E740481C1C}">
-                <a14:useLocalDpi xmlns:a14="http://schemas.microsoft.com/office/drawing/2010/main" val="0"/>
-              </a:ext>
-            </a:extLst>
-          </a:blip>
-          <a:stretch>
-            <a:fillRect/>
-          </a:stretch>
-        </p:blipFill>
-        <p:spPr>
-          <a:xfrm>
-            <a:off x="340622" y="6362072"/>
-            <a:ext cx="2154700" cy="308365"/>
-          </a:xfrm>
-          <a:prstGeom prst="rect">
-            <a:avLst/>
-          </a:prstGeom>
-        </p:spPr>
-      </p:pic>
     </p:spTree>
     <p:extLst>
       <p:ext uri="{BB962C8B-B14F-4D97-AF65-F5344CB8AC3E}">
@@ -21858,42 +21465,6 @@
           </a:p>
         </p:txBody>
       </p:sp>
-      <p:pic>
-        <p:nvPicPr>
-          <p:cNvPr id="13" name="Resim 12">
-            <a:extLst>
-              <a:ext uri="{FF2B5EF4-FFF2-40B4-BE49-F238E27FC236}">
-                <a16:creationId xmlns:a16="http://schemas.microsoft.com/office/drawing/2014/main" id="{AB188617-8AF6-480E-B34A-CEA626B61958}"/>
-              </a:ext>
-            </a:extLst>
-          </p:cNvPr>
-          <p:cNvPicPr>
-            <a:picLocks noChangeAspect="1"/>
-          </p:cNvPicPr>
-          <p:nvPr/>
-        </p:nvPicPr>
-        <p:blipFill>
-          <a:blip r:embed="rId2">
-            <a:extLst>
-              <a:ext uri="{28A0092B-C50C-407E-A947-70E740481C1C}">
-                <a14:useLocalDpi xmlns:a14="http://schemas.microsoft.com/office/drawing/2010/main" val="0"/>
-              </a:ext>
-            </a:extLst>
-          </a:blip>
-          <a:stretch>
-            <a:fillRect/>
-          </a:stretch>
-        </p:blipFill>
-        <p:spPr>
-          <a:xfrm>
-            <a:off x="340622" y="6362072"/>
-            <a:ext cx="2154700" cy="308365"/>
-          </a:xfrm>
-          <a:prstGeom prst="rect">
-            <a:avLst/>
-          </a:prstGeom>
-        </p:spPr>
-      </p:pic>
     </p:spTree>
     <p:extLst>
       <p:ext uri="{BB962C8B-B14F-4D97-AF65-F5344CB8AC3E}">
@@ -22367,42 +21938,6 @@
           </a:p>
         </p:txBody>
       </p:sp>
-      <p:pic>
-        <p:nvPicPr>
-          <p:cNvPr id="20" name="Resim 19">
-            <a:extLst>
-              <a:ext uri="{FF2B5EF4-FFF2-40B4-BE49-F238E27FC236}">
-                <a16:creationId xmlns:a16="http://schemas.microsoft.com/office/drawing/2014/main" id="{06C2AE09-99B7-4350-96D2-9C07E89F6332}"/>
-              </a:ext>
-            </a:extLst>
-          </p:cNvPr>
-          <p:cNvPicPr>
-            <a:picLocks noChangeAspect="1"/>
-          </p:cNvPicPr>
-          <p:nvPr/>
-        </p:nvPicPr>
-        <p:blipFill>
-          <a:blip r:embed="rId2">
-            <a:extLst>
-              <a:ext uri="{28A0092B-C50C-407E-A947-70E740481C1C}">
-                <a14:useLocalDpi xmlns:a14="http://schemas.microsoft.com/office/drawing/2010/main" val="0"/>
-              </a:ext>
-            </a:extLst>
-          </a:blip>
-          <a:stretch>
-            <a:fillRect/>
-          </a:stretch>
-        </p:blipFill>
-        <p:spPr>
-          <a:xfrm>
-            <a:off x="340622" y="6362072"/>
-            <a:ext cx="2154700" cy="308365"/>
-          </a:xfrm>
-          <a:prstGeom prst="rect">
-            <a:avLst/>
-          </a:prstGeom>
-        </p:spPr>
-      </p:pic>
     </p:spTree>
     <p:extLst>
       <p:ext uri="{BB962C8B-B14F-4D97-AF65-F5344CB8AC3E}">
@@ -22852,42 +22387,6 @@
           </a:p>
         </p:txBody>
       </p:sp>
-      <p:pic>
-        <p:nvPicPr>
-          <p:cNvPr id="20" name="Resim 19">
-            <a:extLst>
-              <a:ext uri="{FF2B5EF4-FFF2-40B4-BE49-F238E27FC236}">
-                <a16:creationId xmlns:a16="http://schemas.microsoft.com/office/drawing/2014/main" id="{E693449C-7340-4D19-AF27-890E2491DAC4}"/>
-              </a:ext>
-            </a:extLst>
-          </p:cNvPr>
-          <p:cNvPicPr>
-            <a:picLocks noChangeAspect="1"/>
-          </p:cNvPicPr>
-          <p:nvPr/>
-        </p:nvPicPr>
-        <p:blipFill>
-          <a:blip r:embed="rId2">
-            <a:extLst>
-              <a:ext uri="{28A0092B-C50C-407E-A947-70E740481C1C}">
-                <a14:useLocalDpi xmlns:a14="http://schemas.microsoft.com/office/drawing/2010/main" val="0"/>
-              </a:ext>
-            </a:extLst>
-          </a:blip>
-          <a:stretch>
-            <a:fillRect/>
-          </a:stretch>
-        </p:blipFill>
-        <p:spPr>
-          <a:xfrm>
-            <a:off x="340622" y="6362072"/>
-            <a:ext cx="2154700" cy="308365"/>
-          </a:xfrm>
-          <a:prstGeom prst="rect">
-            <a:avLst/>
-          </a:prstGeom>
-        </p:spPr>
-      </p:pic>
     </p:spTree>
     <p:extLst>
       <p:ext uri="{BB962C8B-B14F-4D97-AF65-F5344CB8AC3E}">
@@ -23431,42 +22930,6 @@
           </a:p>
         </p:txBody>
       </p:sp>
-      <p:pic>
-        <p:nvPicPr>
-          <p:cNvPr id="20" name="Resim 19">
-            <a:extLst>
-              <a:ext uri="{FF2B5EF4-FFF2-40B4-BE49-F238E27FC236}">
-                <a16:creationId xmlns:a16="http://schemas.microsoft.com/office/drawing/2014/main" id="{8EE1B7BD-0268-4556-9433-F1BE565934BA}"/>
-              </a:ext>
-            </a:extLst>
-          </p:cNvPr>
-          <p:cNvPicPr>
-            <a:picLocks noChangeAspect="1"/>
-          </p:cNvPicPr>
-          <p:nvPr/>
-        </p:nvPicPr>
-        <p:blipFill>
-          <a:blip r:embed="rId2">
-            <a:extLst>
-              <a:ext uri="{28A0092B-C50C-407E-A947-70E740481C1C}">
-                <a14:useLocalDpi xmlns:a14="http://schemas.microsoft.com/office/drawing/2010/main" val="0"/>
-              </a:ext>
-            </a:extLst>
-          </a:blip>
-          <a:stretch>
-            <a:fillRect/>
-          </a:stretch>
-        </p:blipFill>
-        <p:spPr>
-          <a:xfrm>
-            <a:off x="340622" y="6362072"/>
-            <a:ext cx="2154700" cy="308365"/>
-          </a:xfrm>
-          <a:prstGeom prst="rect">
-            <a:avLst/>
-          </a:prstGeom>
-        </p:spPr>
-      </p:pic>
     </p:spTree>
     <p:extLst>
       <p:ext uri="{BB962C8B-B14F-4D97-AF65-F5344CB8AC3E}">
